--- a/tkde/fig/figures.pptx
+++ b/tkde/fig/figures.pptx
@@ -202,7 +202,7 @@
           <a:p>
             <a:fld id="{0349BD9D-4300-464C-B7F9-34ECBF4C094B}" type="datetimeFigureOut">
               <a:rPr lang="en-SG" smtClean="0"/>
-              <a:t>6/12/2018</a:t>
+              <a:t>23/4/2019</a:t>
             </a:fld>
             <a:endParaRPr lang="en-SG"/>
           </a:p>
@@ -327,7 +327,7 @@
           </a:lstStyle>
           <a:p>
             <a:r>
-              <a:rPr lang="en-US" smtClean="0"/>
+              <a:rPr lang="en-US"/>
               <a:t>Click to edit Master title style</a:t>
             </a:r>
             <a:endParaRPr lang="en-SG"/>
@@ -392,7 +392,7 @@
           </a:lstStyle>
           <a:p>
             <a:r>
-              <a:rPr lang="en-US" smtClean="0"/>
+              <a:rPr lang="en-US"/>
               <a:t>Click to edit Master subtitle style</a:t>
             </a:r>
             <a:endParaRPr lang="en-SG"/>
@@ -416,7 +416,7 @@
           <a:p>
             <a:fld id="{57E633AF-AADE-4157-966D-1D6DDCF97E88}" type="datetimeFigureOut">
               <a:rPr lang="en-SG" smtClean="0"/>
-              <a:t>6/12/2018</a:t>
+              <a:t>23/4/2019</a:t>
             </a:fld>
             <a:endParaRPr lang="en-SG"/>
           </a:p>
@@ -510,7 +510,7 @@
           <a:lstStyle/>
           <a:p>
             <a:r>
-              <a:rPr lang="en-US" smtClean="0"/>
+              <a:rPr lang="en-US"/>
               <a:t>Click to edit Master title style</a:t>
             </a:r>
             <a:endParaRPr lang="en-SG"/>
@@ -534,35 +534,35 @@
           <a:p>
             <a:pPr lvl="0"/>
             <a:r>
-              <a:rPr lang="en-US" smtClean="0"/>
+              <a:rPr lang="en-US"/>
               <a:t>Edit Master text styles</a:t>
             </a:r>
           </a:p>
           <a:p>
             <a:pPr lvl="1"/>
             <a:r>
-              <a:rPr lang="en-US" smtClean="0"/>
+              <a:rPr lang="en-US"/>
               <a:t>Second level</a:t>
             </a:r>
           </a:p>
           <a:p>
             <a:pPr lvl="2"/>
             <a:r>
-              <a:rPr lang="en-US" smtClean="0"/>
+              <a:rPr lang="en-US"/>
               <a:t>Third level</a:t>
             </a:r>
           </a:p>
           <a:p>
             <a:pPr lvl="3"/>
             <a:r>
-              <a:rPr lang="en-US" smtClean="0"/>
+              <a:rPr lang="en-US"/>
               <a:t>Fourth level</a:t>
             </a:r>
           </a:p>
           <a:p>
             <a:pPr lvl="4"/>
             <a:r>
-              <a:rPr lang="en-US" smtClean="0"/>
+              <a:rPr lang="en-US"/>
               <a:t>Fifth level</a:t>
             </a:r>
             <a:endParaRPr lang="en-SG"/>
@@ -586,7 +586,7 @@
           <a:p>
             <a:fld id="{57E633AF-AADE-4157-966D-1D6DDCF97E88}" type="datetimeFigureOut">
               <a:rPr lang="en-SG" smtClean="0"/>
-              <a:t>6/12/2018</a:t>
+              <a:t>23/4/2019</a:t>
             </a:fld>
             <a:endParaRPr lang="en-SG"/>
           </a:p>
@@ -685,7 +685,7 @@
           <a:lstStyle/>
           <a:p>
             <a:r>
-              <a:rPr lang="en-US" smtClean="0"/>
+              <a:rPr lang="en-US"/>
               <a:t>Click to edit Master title style</a:t>
             </a:r>
             <a:endParaRPr lang="en-SG"/>
@@ -714,35 +714,35 @@
           <a:p>
             <a:pPr lvl="0"/>
             <a:r>
-              <a:rPr lang="en-US" smtClean="0"/>
+              <a:rPr lang="en-US"/>
               <a:t>Edit Master text styles</a:t>
             </a:r>
           </a:p>
           <a:p>
             <a:pPr lvl="1"/>
             <a:r>
-              <a:rPr lang="en-US" smtClean="0"/>
+              <a:rPr lang="en-US"/>
               <a:t>Second level</a:t>
             </a:r>
           </a:p>
           <a:p>
             <a:pPr lvl="2"/>
             <a:r>
-              <a:rPr lang="en-US" smtClean="0"/>
+              <a:rPr lang="en-US"/>
               <a:t>Third level</a:t>
             </a:r>
           </a:p>
           <a:p>
             <a:pPr lvl="3"/>
             <a:r>
-              <a:rPr lang="en-US" smtClean="0"/>
+              <a:rPr lang="en-US"/>
               <a:t>Fourth level</a:t>
             </a:r>
           </a:p>
           <a:p>
             <a:pPr lvl="4"/>
             <a:r>
-              <a:rPr lang="en-US" smtClean="0"/>
+              <a:rPr lang="en-US"/>
               <a:t>Fifth level</a:t>
             </a:r>
             <a:endParaRPr lang="en-SG"/>
@@ -766,7 +766,7 @@
           <a:p>
             <a:fld id="{57E633AF-AADE-4157-966D-1D6DDCF97E88}" type="datetimeFigureOut">
               <a:rPr lang="en-SG" smtClean="0"/>
-              <a:t>6/12/2018</a:t>
+              <a:t>23/4/2019</a:t>
             </a:fld>
             <a:endParaRPr lang="en-SG"/>
           </a:p>
@@ -860,7 +860,7 @@
           <a:lstStyle/>
           <a:p>
             <a:r>
-              <a:rPr lang="en-US" smtClean="0"/>
+              <a:rPr lang="en-US"/>
               <a:t>Click to edit Master title style</a:t>
             </a:r>
             <a:endParaRPr lang="en-SG"/>
@@ -884,35 +884,35 @@
           <a:p>
             <a:pPr lvl="0"/>
             <a:r>
-              <a:rPr lang="en-US" smtClean="0"/>
+              <a:rPr lang="en-US"/>
               <a:t>Edit Master text styles</a:t>
             </a:r>
           </a:p>
           <a:p>
             <a:pPr lvl="1"/>
             <a:r>
-              <a:rPr lang="en-US" smtClean="0"/>
+              <a:rPr lang="en-US"/>
               <a:t>Second level</a:t>
             </a:r>
           </a:p>
           <a:p>
             <a:pPr lvl="2"/>
             <a:r>
-              <a:rPr lang="en-US" smtClean="0"/>
+              <a:rPr lang="en-US"/>
               <a:t>Third level</a:t>
             </a:r>
           </a:p>
           <a:p>
             <a:pPr lvl="3"/>
             <a:r>
-              <a:rPr lang="en-US" smtClean="0"/>
+              <a:rPr lang="en-US"/>
               <a:t>Fourth level</a:t>
             </a:r>
           </a:p>
           <a:p>
             <a:pPr lvl="4"/>
             <a:r>
-              <a:rPr lang="en-US" smtClean="0"/>
+              <a:rPr lang="en-US"/>
               <a:t>Fifth level</a:t>
             </a:r>
             <a:endParaRPr lang="en-SG"/>
@@ -936,7 +936,7 @@
           <a:p>
             <a:fld id="{57E633AF-AADE-4157-966D-1D6DDCF97E88}" type="datetimeFigureOut">
               <a:rPr lang="en-SG" smtClean="0"/>
-              <a:t>6/12/2018</a:t>
+              <a:t>23/4/2019</a:t>
             </a:fld>
             <a:endParaRPr lang="en-SG"/>
           </a:p>
@@ -1039,7 +1039,7 @@
           </a:lstStyle>
           <a:p>
             <a:r>
-              <a:rPr lang="en-US" smtClean="0"/>
+              <a:rPr lang="en-US"/>
               <a:t>Click to edit Master title style</a:t>
             </a:r>
             <a:endParaRPr lang="en-SG"/>
@@ -1159,7 +1159,7 @@
           <a:p>
             <a:pPr lvl="0"/>
             <a:r>
-              <a:rPr lang="en-US" smtClean="0"/>
+              <a:rPr lang="en-US"/>
               <a:t>Edit Master text styles</a:t>
             </a:r>
           </a:p>
@@ -1182,7 +1182,7 @@
           <a:p>
             <a:fld id="{57E633AF-AADE-4157-966D-1D6DDCF97E88}" type="datetimeFigureOut">
               <a:rPr lang="en-SG" smtClean="0"/>
-              <a:t>6/12/2018</a:t>
+              <a:t>23/4/2019</a:t>
             </a:fld>
             <a:endParaRPr lang="en-SG"/>
           </a:p>
@@ -1276,7 +1276,7 @@
           <a:lstStyle/>
           <a:p>
             <a:r>
-              <a:rPr lang="en-US" smtClean="0"/>
+              <a:rPr lang="en-US"/>
               <a:t>Click to edit Master title style</a:t>
             </a:r>
             <a:endParaRPr lang="en-SG"/>
@@ -1305,35 +1305,35 @@
           <a:p>
             <a:pPr lvl="0"/>
             <a:r>
-              <a:rPr lang="en-US" smtClean="0"/>
+              <a:rPr lang="en-US"/>
               <a:t>Edit Master text styles</a:t>
             </a:r>
           </a:p>
           <a:p>
             <a:pPr lvl="1"/>
             <a:r>
-              <a:rPr lang="en-US" smtClean="0"/>
+              <a:rPr lang="en-US"/>
               <a:t>Second level</a:t>
             </a:r>
           </a:p>
           <a:p>
             <a:pPr lvl="2"/>
             <a:r>
-              <a:rPr lang="en-US" smtClean="0"/>
+              <a:rPr lang="en-US"/>
               <a:t>Third level</a:t>
             </a:r>
           </a:p>
           <a:p>
             <a:pPr lvl="3"/>
             <a:r>
-              <a:rPr lang="en-US" smtClean="0"/>
+              <a:rPr lang="en-US"/>
               <a:t>Fourth level</a:t>
             </a:r>
           </a:p>
           <a:p>
             <a:pPr lvl="4"/>
             <a:r>
-              <a:rPr lang="en-US" smtClean="0"/>
+              <a:rPr lang="en-US"/>
               <a:t>Fifth level</a:t>
             </a:r>
             <a:endParaRPr lang="en-SG"/>
@@ -1362,35 +1362,35 @@
           <a:p>
             <a:pPr lvl="0"/>
             <a:r>
-              <a:rPr lang="en-US" smtClean="0"/>
+              <a:rPr lang="en-US"/>
               <a:t>Edit Master text styles</a:t>
             </a:r>
           </a:p>
           <a:p>
             <a:pPr lvl="1"/>
             <a:r>
-              <a:rPr lang="en-US" smtClean="0"/>
+              <a:rPr lang="en-US"/>
               <a:t>Second level</a:t>
             </a:r>
           </a:p>
           <a:p>
             <a:pPr lvl="2"/>
             <a:r>
-              <a:rPr lang="en-US" smtClean="0"/>
+              <a:rPr lang="en-US"/>
               <a:t>Third level</a:t>
             </a:r>
           </a:p>
           <a:p>
             <a:pPr lvl="3"/>
             <a:r>
-              <a:rPr lang="en-US" smtClean="0"/>
+              <a:rPr lang="en-US"/>
               <a:t>Fourth level</a:t>
             </a:r>
           </a:p>
           <a:p>
             <a:pPr lvl="4"/>
             <a:r>
-              <a:rPr lang="en-US" smtClean="0"/>
+              <a:rPr lang="en-US"/>
               <a:t>Fifth level</a:t>
             </a:r>
             <a:endParaRPr lang="en-SG"/>
@@ -1414,7 +1414,7 @@
           <a:p>
             <a:fld id="{57E633AF-AADE-4157-966D-1D6DDCF97E88}" type="datetimeFigureOut">
               <a:rPr lang="en-SG" smtClean="0"/>
-              <a:t>6/12/2018</a:t>
+              <a:t>23/4/2019</a:t>
             </a:fld>
             <a:endParaRPr lang="en-SG"/>
           </a:p>
@@ -1513,7 +1513,7 @@
           <a:lstStyle/>
           <a:p>
             <a:r>
-              <a:rPr lang="en-US" smtClean="0"/>
+              <a:rPr lang="en-US"/>
               <a:t>Click to edit Master title style</a:t>
             </a:r>
             <a:endParaRPr lang="en-SG"/>
@@ -1579,7 +1579,7 @@
           <a:p>
             <a:pPr lvl="0"/>
             <a:r>
-              <a:rPr lang="en-US" smtClean="0"/>
+              <a:rPr lang="en-US"/>
               <a:t>Edit Master text styles</a:t>
             </a:r>
           </a:p>
@@ -1607,35 +1607,35 @@
           <a:p>
             <a:pPr lvl="0"/>
             <a:r>
-              <a:rPr lang="en-US" smtClean="0"/>
+              <a:rPr lang="en-US"/>
               <a:t>Edit Master text styles</a:t>
             </a:r>
           </a:p>
           <a:p>
             <a:pPr lvl="1"/>
             <a:r>
-              <a:rPr lang="en-US" smtClean="0"/>
+              <a:rPr lang="en-US"/>
               <a:t>Second level</a:t>
             </a:r>
           </a:p>
           <a:p>
             <a:pPr lvl="2"/>
             <a:r>
-              <a:rPr lang="en-US" smtClean="0"/>
+              <a:rPr lang="en-US"/>
               <a:t>Third level</a:t>
             </a:r>
           </a:p>
           <a:p>
             <a:pPr lvl="3"/>
             <a:r>
-              <a:rPr lang="en-US" smtClean="0"/>
+              <a:rPr lang="en-US"/>
               <a:t>Fourth level</a:t>
             </a:r>
           </a:p>
           <a:p>
             <a:pPr lvl="4"/>
             <a:r>
-              <a:rPr lang="en-US" smtClean="0"/>
+              <a:rPr lang="en-US"/>
               <a:t>Fifth level</a:t>
             </a:r>
             <a:endParaRPr lang="en-SG"/>
@@ -1701,7 +1701,7 @@
           <a:p>
             <a:pPr lvl="0"/>
             <a:r>
-              <a:rPr lang="en-US" smtClean="0"/>
+              <a:rPr lang="en-US"/>
               <a:t>Edit Master text styles</a:t>
             </a:r>
           </a:p>
@@ -1729,35 +1729,35 @@
           <a:p>
             <a:pPr lvl="0"/>
             <a:r>
-              <a:rPr lang="en-US" smtClean="0"/>
+              <a:rPr lang="en-US"/>
               <a:t>Edit Master text styles</a:t>
             </a:r>
           </a:p>
           <a:p>
             <a:pPr lvl="1"/>
             <a:r>
-              <a:rPr lang="en-US" smtClean="0"/>
+              <a:rPr lang="en-US"/>
               <a:t>Second level</a:t>
             </a:r>
           </a:p>
           <a:p>
             <a:pPr lvl="2"/>
             <a:r>
-              <a:rPr lang="en-US" smtClean="0"/>
+              <a:rPr lang="en-US"/>
               <a:t>Third level</a:t>
             </a:r>
           </a:p>
           <a:p>
             <a:pPr lvl="3"/>
             <a:r>
-              <a:rPr lang="en-US" smtClean="0"/>
+              <a:rPr lang="en-US"/>
               <a:t>Fourth level</a:t>
             </a:r>
           </a:p>
           <a:p>
             <a:pPr lvl="4"/>
             <a:r>
-              <a:rPr lang="en-US" smtClean="0"/>
+              <a:rPr lang="en-US"/>
               <a:t>Fifth level</a:t>
             </a:r>
             <a:endParaRPr lang="en-SG"/>
@@ -1781,7 +1781,7 @@
           <a:p>
             <a:fld id="{57E633AF-AADE-4157-966D-1D6DDCF97E88}" type="datetimeFigureOut">
               <a:rPr lang="en-SG" smtClean="0"/>
-              <a:t>6/12/2018</a:t>
+              <a:t>23/4/2019</a:t>
             </a:fld>
             <a:endParaRPr lang="en-SG"/>
           </a:p>
@@ -1875,7 +1875,7 @@
           <a:lstStyle/>
           <a:p>
             <a:r>
-              <a:rPr lang="en-US" smtClean="0"/>
+              <a:rPr lang="en-US"/>
               <a:t>Click to edit Master title style</a:t>
             </a:r>
             <a:endParaRPr lang="en-SG"/>
@@ -1899,7 +1899,7 @@
           <a:p>
             <a:fld id="{57E633AF-AADE-4157-966D-1D6DDCF97E88}" type="datetimeFigureOut">
               <a:rPr lang="en-SG" smtClean="0"/>
-              <a:t>6/12/2018</a:t>
+              <a:t>23/4/2019</a:t>
             </a:fld>
             <a:endParaRPr lang="en-SG"/>
           </a:p>
@@ -1994,7 +1994,7 @@
           <a:p>
             <a:fld id="{57E633AF-AADE-4157-966D-1D6DDCF97E88}" type="datetimeFigureOut">
               <a:rPr lang="en-SG" smtClean="0"/>
-              <a:t>6/12/2018</a:t>
+              <a:t>23/4/2019</a:t>
             </a:fld>
             <a:endParaRPr lang="en-SG"/>
           </a:p>
@@ -2097,7 +2097,7 @@
           </a:lstStyle>
           <a:p>
             <a:r>
-              <a:rPr lang="en-US" smtClean="0"/>
+              <a:rPr lang="en-US"/>
               <a:t>Click to edit Master title style</a:t>
             </a:r>
             <a:endParaRPr lang="en-SG"/>
@@ -2154,35 +2154,35 @@
           <a:p>
             <a:pPr lvl="0"/>
             <a:r>
-              <a:rPr lang="en-US" smtClean="0"/>
+              <a:rPr lang="en-US"/>
               <a:t>Edit Master text styles</a:t>
             </a:r>
           </a:p>
           <a:p>
             <a:pPr lvl="1"/>
             <a:r>
-              <a:rPr lang="en-US" smtClean="0"/>
+              <a:rPr lang="en-US"/>
               <a:t>Second level</a:t>
             </a:r>
           </a:p>
           <a:p>
             <a:pPr lvl="2"/>
             <a:r>
-              <a:rPr lang="en-US" smtClean="0"/>
+              <a:rPr lang="en-US"/>
               <a:t>Third level</a:t>
             </a:r>
           </a:p>
           <a:p>
             <a:pPr lvl="3"/>
             <a:r>
-              <a:rPr lang="en-US" smtClean="0"/>
+              <a:rPr lang="en-US"/>
               <a:t>Fourth level</a:t>
             </a:r>
           </a:p>
           <a:p>
             <a:pPr lvl="4"/>
             <a:r>
-              <a:rPr lang="en-US" smtClean="0"/>
+              <a:rPr lang="en-US"/>
               <a:t>Fifth level</a:t>
             </a:r>
             <a:endParaRPr lang="en-SG"/>
@@ -2248,7 +2248,7 @@
           <a:p>
             <a:pPr lvl="0"/>
             <a:r>
-              <a:rPr lang="en-US" smtClean="0"/>
+              <a:rPr lang="en-US"/>
               <a:t>Edit Master text styles</a:t>
             </a:r>
           </a:p>
@@ -2271,7 +2271,7 @@
           <a:p>
             <a:fld id="{57E633AF-AADE-4157-966D-1D6DDCF97E88}" type="datetimeFigureOut">
               <a:rPr lang="en-SG" smtClean="0"/>
-              <a:t>6/12/2018</a:t>
+              <a:t>23/4/2019</a:t>
             </a:fld>
             <a:endParaRPr lang="en-SG"/>
           </a:p>
@@ -2374,7 +2374,7 @@
           </a:lstStyle>
           <a:p>
             <a:r>
-              <a:rPr lang="en-US" smtClean="0"/>
+              <a:rPr lang="en-US"/>
               <a:t>Click to edit Master title style</a:t>
             </a:r>
             <a:endParaRPr lang="en-SG"/>
@@ -2501,7 +2501,7 @@
           <a:p>
             <a:pPr lvl="0"/>
             <a:r>
-              <a:rPr lang="en-US" smtClean="0"/>
+              <a:rPr lang="en-US"/>
               <a:t>Edit Master text styles</a:t>
             </a:r>
           </a:p>
@@ -2524,7 +2524,7 @@
           <a:p>
             <a:fld id="{57E633AF-AADE-4157-966D-1D6DDCF97E88}" type="datetimeFigureOut">
               <a:rPr lang="en-SG" smtClean="0"/>
-              <a:t>6/12/2018</a:t>
+              <a:t>23/4/2019</a:t>
             </a:fld>
             <a:endParaRPr lang="en-SG"/>
           </a:p>
@@ -2633,7 +2633,7 @@
           <a:lstStyle/>
           <a:p>
             <a:r>
-              <a:rPr lang="en-US" smtClean="0"/>
+              <a:rPr lang="en-US"/>
               <a:t>Click to edit Master title style</a:t>
             </a:r>
             <a:endParaRPr lang="en-SG"/>
@@ -2667,35 +2667,35 @@
           <a:p>
             <a:pPr lvl="0"/>
             <a:r>
-              <a:rPr lang="en-US" smtClean="0"/>
+              <a:rPr lang="en-US"/>
               <a:t>Edit Master text styles</a:t>
             </a:r>
           </a:p>
           <a:p>
             <a:pPr lvl="1"/>
             <a:r>
-              <a:rPr lang="en-US" smtClean="0"/>
+              <a:rPr lang="en-US"/>
               <a:t>Second level</a:t>
             </a:r>
           </a:p>
           <a:p>
             <a:pPr lvl="2"/>
             <a:r>
-              <a:rPr lang="en-US" smtClean="0"/>
+              <a:rPr lang="en-US"/>
               <a:t>Third level</a:t>
             </a:r>
           </a:p>
           <a:p>
             <a:pPr lvl="3"/>
             <a:r>
-              <a:rPr lang="en-US" smtClean="0"/>
+              <a:rPr lang="en-US"/>
               <a:t>Fourth level</a:t>
             </a:r>
           </a:p>
           <a:p>
             <a:pPr lvl="4"/>
             <a:r>
-              <a:rPr lang="en-US" smtClean="0"/>
+              <a:rPr lang="en-US"/>
               <a:t>Fifth level</a:t>
             </a:r>
             <a:endParaRPr lang="en-SG"/>
@@ -2737,7 +2737,7 @@
           <a:p>
             <a:fld id="{57E633AF-AADE-4157-966D-1D6DDCF97E88}" type="datetimeFigureOut">
               <a:rPr lang="en-SG" smtClean="0"/>
-              <a:t>6/12/2018</a:t>
+              <a:t>23/4/2019</a:t>
             </a:fld>
             <a:endParaRPr lang="en-SG"/>
           </a:p>
@@ -3241,7 +3241,7 @@
               <a:lstStyle/>
               <a:p>
                 <a:r>
-                  <a:rPr lang="en-US" altLang="zh-CN" b="1" dirty="0" smtClean="0"/>
+                  <a:rPr lang="en-US" altLang="zh-CN" b="1" dirty="0"/>
                   <a:t>Stream Multiprocessor (SM)</a:t>
                 </a:r>
                 <a:endParaRPr lang="en-SG" b="1" dirty="0"/>
@@ -3287,7 +3287,7 @@
             <a:p>
               <a:pPr algn="ctr"/>
               <a:r>
-                <a:rPr lang="en-US" dirty="0" smtClean="0"/>
+                <a:rPr lang="en-US" dirty="0"/>
                 <a:t>Warp scheduler</a:t>
               </a:r>
               <a:endParaRPr lang="en-SG" dirty="0"/>
@@ -3332,7 +3332,7 @@
             <a:p>
               <a:pPr algn="ctr"/>
               <a:r>
-                <a:rPr lang="en-US" dirty="0" smtClean="0"/>
+                <a:rPr lang="en-US" dirty="0"/>
                 <a:t>Register File</a:t>
               </a:r>
               <a:endParaRPr lang="en-SG" dirty="0"/>
@@ -3473,7 +3473,7 @@
               <a:p>
                 <a:pPr algn="ctr"/>
                 <a:r>
-                  <a:rPr lang="en-US" dirty="0" smtClean="0"/>
+                  <a:rPr lang="en-US" dirty="0"/>
                   <a:t>L1 Cache</a:t>
                 </a:r>
                 <a:endParaRPr lang="en-SG" dirty="0"/>
@@ -3518,7 +3518,7 @@
               <a:p>
                 <a:pPr algn="ctr"/>
                 <a:r>
-                  <a:rPr lang="en-US" dirty="0" smtClean="0"/>
+                  <a:rPr lang="en-US" dirty="0"/>
                   <a:t>Shared Memory</a:t>
                 </a:r>
                 <a:endParaRPr lang="en-SG" dirty="0"/>
@@ -3576,7 +3576,7 @@
               <a:p>
                 <a:pPr algn="ctr"/>
                 <a:r>
-                  <a:rPr lang="en-US" dirty="0" smtClean="0"/>
+                  <a:rPr lang="en-US" dirty="0"/>
                   <a:t>Core</a:t>
                 </a:r>
                 <a:endParaRPr lang="en-SG" dirty="0"/>
@@ -3619,7 +3619,7 @@
               <a:p>
                 <a:pPr algn="ctr"/>
                 <a:r>
-                  <a:rPr lang="en-US" dirty="0" smtClean="0"/>
+                  <a:rPr lang="en-US" dirty="0"/>
                   <a:t>Core</a:t>
                 </a:r>
                 <a:endParaRPr lang="en-SG" dirty="0"/>
@@ -3662,7 +3662,7 @@
               <a:p>
                 <a:pPr algn="ctr"/>
                 <a:r>
-                  <a:rPr lang="en-US" dirty="0" smtClean="0"/>
+                  <a:rPr lang="en-US" dirty="0"/>
                   <a:t>…</a:t>
                 </a:r>
                 <a:endParaRPr lang="en-SG" dirty="0"/>
@@ -3720,7 +3720,7 @@
               <a:p>
                 <a:pPr algn="ctr"/>
                 <a:r>
-                  <a:rPr lang="en-US" dirty="0" smtClean="0"/>
+                  <a:rPr lang="en-US" dirty="0"/>
                   <a:t>Core</a:t>
                 </a:r>
                 <a:endParaRPr lang="en-SG" dirty="0"/>
@@ -3763,7 +3763,7 @@
               <a:p>
                 <a:pPr algn="ctr"/>
                 <a:r>
-                  <a:rPr lang="en-US" dirty="0" smtClean="0"/>
+                  <a:rPr lang="en-US" dirty="0"/>
                   <a:t>Core</a:t>
                 </a:r>
                 <a:endParaRPr lang="en-SG" dirty="0"/>
@@ -3806,7 +3806,7 @@
               <a:p>
                 <a:pPr algn="ctr"/>
                 <a:r>
-                  <a:rPr lang="en-US" dirty="0" smtClean="0"/>
+                  <a:rPr lang="en-US" dirty="0"/>
                   <a:t>…</a:t>
                 </a:r>
                 <a:endParaRPr lang="en-SG" dirty="0"/>
@@ -3864,7 +3864,7 @@
               <a:p>
                 <a:pPr algn="ctr"/>
                 <a:r>
-                  <a:rPr lang="en-US" dirty="0" smtClean="0"/>
+                  <a:rPr lang="en-US" dirty="0"/>
                   <a:t>Core</a:t>
                 </a:r>
                 <a:endParaRPr lang="en-SG" dirty="0"/>
@@ -3907,7 +3907,7 @@
               <a:p>
                 <a:pPr algn="ctr"/>
                 <a:r>
-                  <a:rPr lang="en-US" dirty="0" smtClean="0"/>
+                  <a:rPr lang="en-US" dirty="0"/>
                   <a:t>Core</a:t>
                 </a:r>
                 <a:endParaRPr lang="en-SG" dirty="0"/>
@@ -3950,7 +3950,7 @@
               <a:p>
                 <a:pPr algn="ctr"/>
                 <a:r>
-                  <a:rPr lang="en-US" dirty="0" smtClean="0"/>
+                  <a:rPr lang="en-US" dirty="0"/>
                   <a:t>…</a:t>
                 </a:r>
                 <a:endParaRPr lang="en-SG" dirty="0"/>
@@ -4008,7 +4008,7 @@
               <a:p>
                 <a:pPr algn="ctr"/>
                 <a:r>
-                  <a:rPr lang="en-US" dirty="0" smtClean="0"/>
+                  <a:rPr lang="en-US" dirty="0"/>
                   <a:t>Core</a:t>
                 </a:r>
                 <a:endParaRPr lang="en-SG" dirty="0"/>
@@ -4051,7 +4051,7 @@
               <a:p>
                 <a:pPr algn="ctr"/>
                 <a:r>
-                  <a:rPr lang="en-US" dirty="0" smtClean="0"/>
+                  <a:rPr lang="en-US" dirty="0"/>
                   <a:t>Core</a:t>
                 </a:r>
                 <a:endParaRPr lang="en-SG" dirty="0"/>
@@ -4094,7 +4094,7 @@
               <a:p>
                 <a:pPr algn="ctr"/>
                 <a:r>
-                  <a:rPr lang="en-US" dirty="0" smtClean="0"/>
+                  <a:rPr lang="en-US" dirty="0"/>
                   <a:t>…</a:t>
                 </a:r>
                 <a:endParaRPr lang="en-SG" dirty="0"/>
@@ -4152,7 +4152,7 @@
               <a:p>
                 <a:pPr algn="ctr"/>
                 <a:r>
-                  <a:rPr lang="en-US" dirty="0" smtClean="0"/>
+                  <a:rPr lang="en-US" dirty="0"/>
                   <a:t>Core</a:t>
                 </a:r>
                 <a:endParaRPr lang="en-SG" dirty="0"/>
@@ -4195,7 +4195,7 @@
               <a:p>
                 <a:pPr algn="ctr"/>
                 <a:r>
-                  <a:rPr lang="en-US" dirty="0" smtClean="0"/>
+                  <a:rPr lang="en-US" dirty="0"/>
                   <a:t>Core</a:t>
                 </a:r>
                 <a:endParaRPr lang="en-SG" dirty="0"/>
@@ -4238,7 +4238,7 @@
               <a:p>
                 <a:pPr algn="ctr"/>
                 <a:r>
-                  <a:rPr lang="en-US" dirty="0" smtClean="0"/>
+                  <a:rPr lang="en-US" dirty="0"/>
                   <a:t>…</a:t>
                 </a:r>
                 <a:endParaRPr lang="en-SG" dirty="0"/>
@@ -4296,7 +4296,7 @@
               <a:p>
                 <a:pPr algn="ctr"/>
                 <a:r>
-                  <a:rPr lang="en-US" dirty="0" smtClean="0"/>
+                  <a:rPr lang="en-US" dirty="0"/>
                   <a:t>Core</a:t>
                 </a:r>
                 <a:endParaRPr lang="en-SG" dirty="0"/>
@@ -4339,7 +4339,7 @@
               <a:p>
                 <a:pPr algn="ctr"/>
                 <a:r>
-                  <a:rPr lang="en-US" dirty="0" smtClean="0"/>
+                  <a:rPr lang="en-US" dirty="0"/>
                   <a:t>Core</a:t>
                 </a:r>
                 <a:endParaRPr lang="en-SG" dirty="0"/>
@@ -4382,7 +4382,7 @@
               <a:p>
                 <a:pPr algn="ctr"/>
                 <a:r>
-                  <a:rPr lang="en-US" dirty="0" smtClean="0"/>
+                  <a:rPr lang="en-US" dirty="0"/>
                   <a:t>…</a:t>
                 </a:r>
                 <a:endParaRPr lang="en-SG" dirty="0"/>
@@ -4730,7 +4730,7 @@
               <a:lstStyle/>
               <a:p>
                 <a:r>
-                  <a:rPr lang="en-US" altLang="zh-CN" b="1" dirty="0" smtClean="0"/>
+                  <a:rPr lang="en-US" altLang="zh-CN" b="1" dirty="0"/>
                   <a:t>Stream Multiprocessor (SM)</a:t>
                 </a:r>
                 <a:endParaRPr lang="en-SG" b="1" dirty="0"/>
@@ -4776,7 +4776,7 @@
             <a:p>
               <a:pPr algn="ctr"/>
               <a:r>
-                <a:rPr lang="en-US" dirty="0" smtClean="0"/>
+                <a:rPr lang="en-US" dirty="0"/>
                 <a:t>Warp scheduler</a:t>
               </a:r>
               <a:endParaRPr lang="en-SG" dirty="0"/>
@@ -4821,7 +4821,7 @@
             <a:p>
               <a:pPr algn="ctr"/>
               <a:r>
-                <a:rPr lang="en-US" dirty="0" smtClean="0"/>
+                <a:rPr lang="en-US" dirty="0"/>
                 <a:t>Register File</a:t>
               </a:r>
               <a:endParaRPr lang="en-SG" dirty="0"/>
@@ -4962,7 +4962,7 @@
               <a:p>
                 <a:pPr algn="ctr"/>
                 <a:r>
-                  <a:rPr lang="en-US" dirty="0" smtClean="0"/>
+                  <a:rPr lang="en-US" dirty="0"/>
                   <a:t>L1 Cache</a:t>
                 </a:r>
                 <a:endParaRPr lang="en-SG" dirty="0"/>
@@ -5007,7 +5007,7 @@
               <a:p>
                 <a:pPr algn="ctr"/>
                 <a:r>
-                  <a:rPr lang="en-US" dirty="0" smtClean="0"/>
+                  <a:rPr lang="en-US" dirty="0"/>
                   <a:t>Shared Memory</a:t>
                 </a:r>
                 <a:endParaRPr lang="en-SG" dirty="0"/>
@@ -5065,7 +5065,7 @@
               <a:p>
                 <a:pPr algn="ctr"/>
                 <a:r>
-                  <a:rPr lang="en-US" dirty="0" smtClean="0"/>
+                  <a:rPr lang="en-US" dirty="0"/>
                   <a:t>Core</a:t>
                 </a:r>
                 <a:endParaRPr lang="en-SG" dirty="0"/>
@@ -5108,7 +5108,7 @@
               <a:p>
                 <a:pPr algn="ctr"/>
                 <a:r>
-                  <a:rPr lang="en-US" dirty="0" smtClean="0"/>
+                  <a:rPr lang="en-US" dirty="0"/>
                   <a:t>Core</a:t>
                 </a:r>
                 <a:endParaRPr lang="en-SG" dirty="0"/>
@@ -5151,7 +5151,7 @@
               <a:p>
                 <a:pPr algn="ctr"/>
                 <a:r>
-                  <a:rPr lang="en-US" dirty="0" smtClean="0"/>
+                  <a:rPr lang="en-US" dirty="0"/>
                   <a:t>…</a:t>
                 </a:r>
                 <a:endParaRPr lang="en-SG" dirty="0"/>
@@ -5209,7 +5209,7 @@
               <a:p>
                 <a:pPr algn="ctr"/>
                 <a:r>
-                  <a:rPr lang="en-US" dirty="0" smtClean="0"/>
+                  <a:rPr lang="en-US" dirty="0"/>
                   <a:t>Core</a:t>
                 </a:r>
                 <a:endParaRPr lang="en-SG" dirty="0"/>
@@ -5252,7 +5252,7 @@
               <a:p>
                 <a:pPr algn="ctr"/>
                 <a:r>
-                  <a:rPr lang="en-US" dirty="0" smtClean="0"/>
+                  <a:rPr lang="en-US" dirty="0"/>
                   <a:t>Core</a:t>
                 </a:r>
                 <a:endParaRPr lang="en-SG" dirty="0"/>
@@ -5295,7 +5295,7 @@
               <a:p>
                 <a:pPr algn="ctr"/>
                 <a:r>
-                  <a:rPr lang="en-US" dirty="0" smtClean="0"/>
+                  <a:rPr lang="en-US" dirty="0"/>
                   <a:t>…</a:t>
                 </a:r>
                 <a:endParaRPr lang="en-SG" dirty="0"/>
@@ -5353,7 +5353,7 @@
               <a:p>
                 <a:pPr algn="ctr"/>
                 <a:r>
-                  <a:rPr lang="en-US" dirty="0" smtClean="0"/>
+                  <a:rPr lang="en-US" dirty="0"/>
                   <a:t>Core</a:t>
                 </a:r>
                 <a:endParaRPr lang="en-SG" dirty="0"/>
@@ -5396,7 +5396,7 @@
               <a:p>
                 <a:pPr algn="ctr"/>
                 <a:r>
-                  <a:rPr lang="en-US" dirty="0" smtClean="0"/>
+                  <a:rPr lang="en-US" dirty="0"/>
                   <a:t>Core</a:t>
                 </a:r>
                 <a:endParaRPr lang="en-SG" dirty="0"/>
@@ -5439,7 +5439,7 @@
               <a:p>
                 <a:pPr algn="ctr"/>
                 <a:r>
-                  <a:rPr lang="en-US" dirty="0" smtClean="0"/>
+                  <a:rPr lang="en-US" dirty="0"/>
                   <a:t>…</a:t>
                 </a:r>
                 <a:endParaRPr lang="en-SG" dirty="0"/>
@@ -5497,7 +5497,7 @@
               <a:p>
                 <a:pPr algn="ctr"/>
                 <a:r>
-                  <a:rPr lang="en-US" dirty="0" smtClean="0"/>
+                  <a:rPr lang="en-US" dirty="0"/>
                   <a:t>Core</a:t>
                 </a:r>
                 <a:endParaRPr lang="en-SG" dirty="0"/>
@@ -5540,7 +5540,7 @@
               <a:p>
                 <a:pPr algn="ctr"/>
                 <a:r>
-                  <a:rPr lang="en-US" dirty="0" smtClean="0"/>
+                  <a:rPr lang="en-US" dirty="0"/>
                   <a:t>Core</a:t>
                 </a:r>
                 <a:endParaRPr lang="en-SG" dirty="0"/>
@@ -5583,7 +5583,7 @@
               <a:p>
                 <a:pPr algn="ctr"/>
                 <a:r>
-                  <a:rPr lang="en-US" dirty="0" smtClean="0"/>
+                  <a:rPr lang="en-US" dirty="0"/>
                   <a:t>…</a:t>
                 </a:r>
                 <a:endParaRPr lang="en-SG" dirty="0"/>
@@ -5641,7 +5641,7 @@
               <a:p>
                 <a:pPr algn="ctr"/>
                 <a:r>
-                  <a:rPr lang="en-US" dirty="0" smtClean="0"/>
+                  <a:rPr lang="en-US" dirty="0"/>
                   <a:t>Core</a:t>
                 </a:r>
                 <a:endParaRPr lang="en-SG" dirty="0"/>
@@ -5684,7 +5684,7 @@
               <a:p>
                 <a:pPr algn="ctr"/>
                 <a:r>
-                  <a:rPr lang="en-US" dirty="0" smtClean="0"/>
+                  <a:rPr lang="en-US" dirty="0"/>
                   <a:t>Core</a:t>
                 </a:r>
                 <a:endParaRPr lang="en-SG" dirty="0"/>
@@ -5727,7 +5727,7 @@
               <a:p>
                 <a:pPr algn="ctr"/>
                 <a:r>
-                  <a:rPr lang="en-US" dirty="0" smtClean="0"/>
+                  <a:rPr lang="en-US" dirty="0"/>
                   <a:t>…</a:t>
                 </a:r>
                 <a:endParaRPr lang="en-SG" dirty="0"/>
@@ -5785,7 +5785,7 @@
               <a:p>
                 <a:pPr algn="ctr"/>
                 <a:r>
-                  <a:rPr lang="en-US" dirty="0" smtClean="0"/>
+                  <a:rPr lang="en-US" dirty="0"/>
                   <a:t>Core</a:t>
                 </a:r>
                 <a:endParaRPr lang="en-SG" dirty="0"/>
@@ -5828,7 +5828,7 @@
               <a:p>
                 <a:pPr algn="ctr"/>
                 <a:r>
-                  <a:rPr lang="en-US" dirty="0" smtClean="0"/>
+                  <a:rPr lang="en-US" dirty="0"/>
                   <a:t>Core</a:t>
                 </a:r>
                 <a:endParaRPr lang="en-SG" dirty="0"/>
@@ -5871,7 +5871,7 @@
               <a:p>
                 <a:pPr algn="ctr"/>
                 <a:r>
-                  <a:rPr lang="en-US" dirty="0" smtClean="0"/>
+                  <a:rPr lang="en-US" dirty="0"/>
                   <a:t>…</a:t>
                 </a:r>
                 <a:endParaRPr lang="en-SG" dirty="0"/>
@@ -6219,7 +6219,7 @@
               <a:lstStyle/>
               <a:p>
                 <a:r>
-                  <a:rPr lang="en-US" altLang="zh-CN" b="1" dirty="0" smtClean="0"/>
+                  <a:rPr lang="en-US" altLang="zh-CN" b="1" dirty="0"/>
                   <a:t>Stream Multiprocessor (SM)</a:t>
                 </a:r>
                 <a:endParaRPr lang="en-SG" b="1" dirty="0"/>
@@ -6265,7 +6265,7 @@
             <a:p>
               <a:pPr algn="ctr"/>
               <a:r>
-                <a:rPr lang="en-US" dirty="0" smtClean="0"/>
+                <a:rPr lang="en-US" dirty="0"/>
                 <a:t>Warp Scheduler</a:t>
               </a:r>
               <a:endParaRPr lang="en-SG" dirty="0"/>
@@ -6310,7 +6310,7 @@
             <a:p>
               <a:pPr algn="ctr"/>
               <a:r>
-                <a:rPr lang="en-US" dirty="0" smtClean="0"/>
+                <a:rPr lang="en-US" dirty="0"/>
                 <a:t>Register File</a:t>
               </a:r>
               <a:endParaRPr lang="en-SG" dirty="0"/>
@@ -6451,7 +6451,7 @@
               <a:p>
                 <a:pPr algn="ctr"/>
                 <a:r>
-                  <a:rPr lang="en-US" dirty="0" smtClean="0"/>
+                  <a:rPr lang="en-US" dirty="0"/>
                   <a:t>L1 Cache</a:t>
                 </a:r>
                 <a:endParaRPr lang="en-SG" dirty="0"/>
@@ -6496,7 +6496,7 @@
               <a:p>
                 <a:pPr algn="ctr"/>
                 <a:r>
-                  <a:rPr lang="en-US" dirty="0" smtClean="0"/>
+                  <a:rPr lang="en-US" dirty="0"/>
                   <a:t>Shared Memory</a:t>
                 </a:r>
                 <a:endParaRPr lang="en-SG" dirty="0"/>
@@ -6554,7 +6554,7 @@
               <a:p>
                 <a:pPr algn="ctr"/>
                 <a:r>
-                  <a:rPr lang="en-US" dirty="0" smtClean="0"/>
+                  <a:rPr lang="en-US" dirty="0"/>
                   <a:t>Core</a:t>
                 </a:r>
                 <a:endParaRPr lang="en-SG" dirty="0"/>
@@ -6597,7 +6597,7 @@
               <a:p>
                 <a:pPr algn="ctr"/>
                 <a:r>
-                  <a:rPr lang="en-US" dirty="0" smtClean="0"/>
+                  <a:rPr lang="en-US" dirty="0"/>
                   <a:t>Core</a:t>
                 </a:r>
                 <a:endParaRPr lang="en-SG" dirty="0"/>
@@ -6640,7 +6640,7 @@
               <a:p>
                 <a:pPr algn="ctr"/>
                 <a:r>
-                  <a:rPr lang="en-US" dirty="0" smtClean="0"/>
+                  <a:rPr lang="en-US" dirty="0"/>
                   <a:t>…</a:t>
                 </a:r>
                 <a:endParaRPr lang="en-SG" dirty="0"/>
@@ -6698,7 +6698,7 @@
               <a:p>
                 <a:pPr algn="ctr"/>
                 <a:r>
-                  <a:rPr lang="en-US" dirty="0" smtClean="0"/>
+                  <a:rPr lang="en-US" dirty="0"/>
                   <a:t>Core</a:t>
                 </a:r>
                 <a:endParaRPr lang="en-SG" dirty="0"/>
@@ -6741,7 +6741,7 @@
               <a:p>
                 <a:pPr algn="ctr"/>
                 <a:r>
-                  <a:rPr lang="en-US" dirty="0" smtClean="0"/>
+                  <a:rPr lang="en-US" dirty="0"/>
                   <a:t>Core</a:t>
                 </a:r>
                 <a:endParaRPr lang="en-SG" dirty="0"/>
@@ -6784,7 +6784,7 @@
               <a:p>
                 <a:pPr algn="ctr"/>
                 <a:r>
-                  <a:rPr lang="en-US" dirty="0" smtClean="0"/>
+                  <a:rPr lang="en-US" dirty="0"/>
                   <a:t>…</a:t>
                 </a:r>
                 <a:endParaRPr lang="en-SG" dirty="0"/>
@@ -6842,7 +6842,7 @@
               <a:p>
                 <a:pPr algn="ctr"/>
                 <a:r>
-                  <a:rPr lang="en-US" dirty="0" smtClean="0"/>
+                  <a:rPr lang="en-US" dirty="0"/>
                   <a:t>Core</a:t>
                 </a:r>
                 <a:endParaRPr lang="en-SG" dirty="0"/>
@@ -6885,7 +6885,7 @@
               <a:p>
                 <a:pPr algn="ctr"/>
                 <a:r>
-                  <a:rPr lang="en-US" dirty="0" smtClean="0"/>
+                  <a:rPr lang="en-US" dirty="0"/>
                   <a:t>Core</a:t>
                 </a:r>
                 <a:endParaRPr lang="en-SG" dirty="0"/>
@@ -6928,7 +6928,7 @@
               <a:p>
                 <a:pPr algn="ctr"/>
                 <a:r>
-                  <a:rPr lang="en-US" dirty="0" smtClean="0"/>
+                  <a:rPr lang="en-US" dirty="0"/>
                   <a:t>…</a:t>
                 </a:r>
                 <a:endParaRPr lang="en-SG" dirty="0"/>
@@ -6986,7 +6986,7 @@
               <a:p>
                 <a:pPr algn="ctr"/>
                 <a:r>
-                  <a:rPr lang="en-US" dirty="0" smtClean="0"/>
+                  <a:rPr lang="en-US" dirty="0"/>
                   <a:t>Core</a:t>
                 </a:r>
                 <a:endParaRPr lang="en-SG" dirty="0"/>
@@ -7029,7 +7029,7 @@
               <a:p>
                 <a:pPr algn="ctr"/>
                 <a:r>
-                  <a:rPr lang="en-US" dirty="0" smtClean="0"/>
+                  <a:rPr lang="en-US" dirty="0"/>
                   <a:t>Core</a:t>
                 </a:r>
                 <a:endParaRPr lang="en-SG" dirty="0"/>
@@ -7072,7 +7072,7 @@
               <a:p>
                 <a:pPr algn="ctr"/>
                 <a:r>
-                  <a:rPr lang="en-US" dirty="0" smtClean="0"/>
+                  <a:rPr lang="en-US" dirty="0"/>
                   <a:t>…</a:t>
                 </a:r>
                 <a:endParaRPr lang="en-SG" dirty="0"/>
@@ -7130,7 +7130,7 @@
               <a:p>
                 <a:pPr algn="ctr"/>
                 <a:r>
-                  <a:rPr lang="en-US" dirty="0" smtClean="0"/>
+                  <a:rPr lang="en-US" dirty="0"/>
                   <a:t>Core</a:t>
                 </a:r>
                 <a:endParaRPr lang="en-SG" dirty="0"/>
@@ -7173,7 +7173,7 @@
               <a:p>
                 <a:pPr algn="ctr"/>
                 <a:r>
-                  <a:rPr lang="en-US" dirty="0" smtClean="0"/>
+                  <a:rPr lang="en-US" dirty="0"/>
                   <a:t>Core</a:t>
                 </a:r>
                 <a:endParaRPr lang="en-SG" dirty="0"/>
@@ -7216,7 +7216,7 @@
               <a:p>
                 <a:pPr algn="ctr"/>
                 <a:r>
-                  <a:rPr lang="en-US" dirty="0" smtClean="0"/>
+                  <a:rPr lang="en-US" dirty="0"/>
                   <a:t>…</a:t>
                 </a:r>
                 <a:endParaRPr lang="en-SG" dirty="0"/>
@@ -7274,7 +7274,7 @@
               <a:p>
                 <a:pPr algn="ctr"/>
                 <a:r>
-                  <a:rPr lang="en-US" dirty="0" smtClean="0"/>
+                  <a:rPr lang="en-US" dirty="0"/>
                   <a:t>Core</a:t>
                 </a:r>
                 <a:endParaRPr lang="en-SG" dirty="0"/>
@@ -7317,7 +7317,7 @@
               <a:p>
                 <a:pPr algn="ctr"/>
                 <a:r>
-                  <a:rPr lang="en-US" dirty="0" smtClean="0"/>
+                  <a:rPr lang="en-US" dirty="0"/>
                   <a:t>Core</a:t>
                 </a:r>
                 <a:endParaRPr lang="en-SG" dirty="0"/>
@@ -7360,7 +7360,7 @@
               <a:p>
                 <a:pPr algn="ctr"/>
                 <a:r>
-                  <a:rPr lang="en-US" dirty="0" smtClean="0"/>
+                  <a:rPr lang="en-US" dirty="0"/>
                   <a:t>…</a:t>
                 </a:r>
                 <a:endParaRPr lang="en-SG" dirty="0"/>
@@ -7645,7 +7645,7 @@
           <a:p>
             <a:pPr algn="ctr"/>
             <a:r>
-              <a:rPr lang="en-US" b="1" dirty="0" smtClean="0"/>
+              <a:rPr lang="en-US" b="1" dirty="0"/>
               <a:t>L2 Cache</a:t>
             </a:r>
             <a:endParaRPr lang="en-SG" b="1" dirty="0"/>
@@ -7688,7 +7688,7 @@
           <a:p>
             <a:pPr algn="ctr"/>
             <a:r>
-              <a:rPr lang="en-US" b="1" dirty="0" smtClean="0"/>
+              <a:rPr lang="en-US" b="1" dirty="0"/>
               <a:t>Device Memory</a:t>
             </a:r>
             <a:endParaRPr lang="en-SG" b="1" dirty="0"/>
@@ -7950,11 +7950,11 @@
           <a:p>
             <a:pPr algn="ctr"/>
             <a:r>
-              <a:rPr lang="en-US" sz="1400" dirty="0" smtClean="0"/>
+              <a:rPr lang="en-US" sz="1400" dirty="0"/>
               <a:t>k</a:t>
             </a:r>
             <a:r>
-              <a:rPr lang="en-US" sz="1200" baseline="-25000" dirty="0" smtClean="0"/>
+              <a:rPr lang="en-US" sz="1200" baseline="-25000" dirty="0"/>
               <a:t>33</a:t>
             </a:r>
             <a:endParaRPr lang="en-SG" sz="1400" baseline="-25000" dirty="0"/>
@@ -7996,11 +7996,11 @@
           <a:p>
             <a:pPr algn="ctr"/>
             <a:r>
-              <a:rPr lang="en-US" sz="1400" dirty="0" smtClean="0"/>
+              <a:rPr lang="en-US" sz="1400" dirty="0"/>
               <a:t>k</a:t>
             </a:r>
             <a:r>
-              <a:rPr lang="en-US" sz="1200" baseline="-25000" dirty="0" smtClean="0"/>
+              <a:rPr lang="en-US" sz="1200" baseline="-25000" dirty="0"/>
               <a:t>64</a:t>
             </a:r>
             <a:endParaRPr lang="en-SG" sz="1400" baseline="-25000" dirty="0"/>
@@ -8042,11 +8042,11 @@
           <a:p>
             <a:pPr algn="ctr"/>
             <a:r>
-              <a:rPr lang="en-US" sz="1400" dirty="0" smtClean="0"/>
+              <a:rPr lang="en-US" sz="1400" dirty="0"/>
               <a:t>k</a:t>
             </a:r>
             <a:r>
-              <a:rPr lang="en-US" sz="1400" baseline="-25000" dirty="0" smtClean="0"/>
+              <a:rPr lang="en-US" sz="1400" baseline="-25000" dirty="0"/>
               <a:t>1</a:t>
             </a:r>
             <a:endParaRPr lang="en-SG" sz="1400" baseline="-25000" dirty="0"/>
@@ -8088,11 +8088,11 @@
           <a:p>
             <a:pPr algn="ctr"/>
             <a:r>
-              <a:rPr lang="en-US" altLang="zh-CN" sz="1400" dirty="0" smtClean="0"/>
+              <a:rPr lang="en-US" altLang="zh-CN" sz="1400" dirty="0"/>
               <a:t>k</a:t>
             </a:r>
             <a:r>
-              <a:rPr lang="en-US" sz="1200" baseline="-25000" dirty="0" smtClean="0"/>
+              <a:rPr lang="en-US" sz="1200" baseline="-25000" dirty="0"/>
               <a:t>32</a:t>
             </a:r>
             <a:endParaRPr lang="en-SG" sz="1400" baseline="-25000" dirty="0"/>
@@ -8174,7 +8174,7 @@
           <a:p>
             <a:pPr algn="ctr"/>
             <a:r>
-              <a:rPr lang="en-US" sz="1200" b="1" dirty="0" smtClean="0"/>
+              <a:rPr lang="en-US" sz="1200" b="1" dirty="0"/>
               <a:t>. . . .</a:t>
             </a:r>
             <a:endParaRPr lang="en-SG" sz="1200" b="1" dirty="0"/>
@@ -8216,11 +8216,11 @@
           <a:p>
             <a:pPr algn="ctr"/>
             <a:r>
-              <a:rPr lang="en-US" sz="1400" dirty="0" smtClean="0"/>
+              <a:rPr lang="en-US" sz="1400" dirty="0"/>
               <a:t>k</a:t>
             </a:r>
             <a:r>
-              <a:rPr lang="en-US" sz="1400" baseline="-25000" dirty="0" smtClean="0"/>
+              <a:rPr lang="en-US" sz="1400" baseline="-25000" dirty="0"/>
               <a:t>2</a:t>
             </a:r>
             <a:endParaRPr lang="en-SG" sz="1400" baseline="-25000" dirty="0"/>
@@ -8262,11 +8262,11 @@
           <a:p>
             <a:pPr algn="ctr"/>
             <a:r>
-              <a:rPr lang="en-US" sz="1400" dirty="0" smtClean="0"/>
+              <a:rPr lang="en-US" sz="1400" dirty="0"/>
               <a:t>k</a:t>
             </a:r>
             <a:r>
-              <a:rPr lang="en-US" sz="1400" baseline="-25000" dirty="0" smtClean="0"/>
+              <a:rPr lang="en-US" sz="1400" baseline="-25000" dirty="0"/>
               <a:t>3</a:t>
             </a:r>
             <a:endParaRPr lang="en-SG" sz="1400" baseline="-25000" dirty="0"/>
@@ -8308,7 +8308,7 @@
           <a:p>
             <a:pPr algn="ctr"/>
             <a:r>
-              <a:rPr lang="en-US" sz="1200" b="1" dirty="0" smtClean="0"/>
+              <a:rPr lang="en-US" sz="1200" b="1" dirty="0"/>
               <a:t>. . . .</a:t>
             </a:r>
             <a:endParaRPr lang="en-SG" sz="1200" b="1" dirty="0"/>
@@ -8350,11 +8350,11 @@
           <a:p>
             <a:pPr algn="ctr"/>
             <a:r>
-              <a:rPr lang="en-US" sz="1400" dirty="0" smtClean="0"/>
+              <a:rPr lang="en-US" sz="1400" dirty="0"/>
               <a:t>k</a:t>
             </a:r>
             <a:r>
-              <a:rPr lang="en-US" sz="1200" baseline="-25000" dirty="0" smtClean="0"/>
+              <a:rPr lang="en-US" sz="1200" baseline="-25000" dirty="0"/>
               <a:t>34</a:t>
             </a:r>
             <a:endParaRPr lang="en-SG" sz="1400" baseline="-25000" dirty="0"/>
@@ -8396,11 +8396,11 @@
           <a:p>
             <a:pPr algn="ctr"/>
             <a:r>
-              <a:rPr lang="en-US" sz="1400" dirty="0" smtClean="0"/>
+              <a:rPr lang="en-US" sz="1400" dirty="0"/>
               <a:t>k</a:t>
             </a:r>
             <a:r>
-              <a:rPr lang="en-US" sz="1200" baseline="-25000" dirty="0" smtClean="0"/>
+              <a:rPr lang="en-US" sz="1200" baseline="-25000" dirty="0"/>
               <a:t>35</a:t>
             </a:r>
             <a:endParaRPr lang="en-SG" sz="1400" baseline="-25000" dirty="0"/>
@@ -8912,7 +8912,7 @@
           <a:lstStyle/>
           <a:p>
             <a:r>
-              <a:rPr lang="en-US" sz="1400" dirty="0" smtClean="0"/>
+              <a:rPr lang="en-US" sz="1400" dirty="0"/>
               <a:t>keys</a:t>
             </a:r>
             <a:endParaRPr lang="en-SG" sz="1400" dirty="0"/>
@@ -8942,7 +8942,7 @@
           <a:lstStyle/>
           <a:p>
             <a:r>
-              <a:rPr lang="en-US" sz="1400" dirty="0" smtClean="0"/>
+              <a:rPr lang="en-US" sz="1400" dirty="0"/>
               <a:t>values</a:t>
             </a:r>
             <a:endParaRPr lang="en-SG" sz="1400" dirty="0"/>
@@ -8975,7 +8975,7 @@
               <a:p>
                 <a:pPr algn="ctr"/>
                 <a:r>
-                  <a:rPr lang="en-US" b="1" dirty="0" smtClean="0"/>
+                  <a:rPr lang="en-US" b="1" dirty="0"/>
                   <a:t>Hash Table </a:t>
                 </a:r>
                 <a14:m>
@@ -9186,7 +9186,7 @@
           <a:p>
             <a:pPr algn="ctr"/>
             <a:r>
-              <a:rPr lang="en-US" sz="1400" dirty="0" smtClean="0"/>
+              <a:rPr lang="en-US" sz="1400" dirty="0"/>
               <a:t>bucket</a:t>
             </a:r>
             <a:endParaRPr lang="en-SG" sz="1400" dirty="0"/>
@@ -9313,11 +9313,7 @@
             <a:pPr algn="ctr"/>
             <a:r>
               <a:rPr lang="en-US" sz="1400" dirty="0"/>
-              <a:t>w</a:t>
-            </a:r>
-            <a:r>
-              <a:rPr lang="en-US" sz="1400" dirty="0" smtClean="0"/>
-              <a:t>arp access</a:t>
+              <a:t>warp access</a:t>
             </a:r>
             <a:endParaRPr lang="en-SG" sz="1400" dirty="0"/>
           </a:p>
@@ -9487,11 +9483,11 @@
           <a:p>
             <a:pPr algn="ctr"/>
             <a:r>
-              <a:rPr lang="en-US" sz="1400" dirty="0" smtClean="0"/>
+              <a:rPr lang="en-US" sz="1400" dirty="0"/>
               <a:t>k</a:t>
             </a:r>
             <a:r>
-              <a:rPr lang="en-US" sz="1200" baseline="-25000" dirty="0" smtClean="0"/>
+              <a:rPr lang="en-US" sz="1200" baseline="-25000" dirty="0"/>
               <a:t>33</a:t>
             </a:r>
             <a:endParaRPr lang="en-SG" sz="1400" baseline="-25000" dirty="0"/>
@@ -9538,11 +9534,11 @@
           <a:p>
             <a:pPr algn="ctr"/>
             <a:r>
-              <a:rPr lang="en-US" sz="1400" dirty="0" smtClean="0"/>
+              <a:rPr lang="en-US" sz="1400" dirty="0"/>
               <a:t>k</a:t>
             </a:r>
             <a:r>
-              <a:rPr lang="en-US" sz="1200" baseline="-25000" dirty="0" smtClean="0"/>
+              <a:rPr lang="en-US" sz="1200" baseline="-25000" dirty="0"/>
               <a:t>64</a:t>
             </a:r>
             <a:endParaRPr lang="en-SG" sz="1400" baseline="-25000" dirty="0"/>
@@ -9627,11 +9623,11 @@
           <a:p>
             <a:pPr algn="ctr"/>
             <a:r>
-              <a:rPr lang="en-US" altLang="zh-CN" sz="1400" dirty="0" smtClean="0"/>
+              <a:rPr lang="en-US" altLang="zh-CN" sz="1400" dirty="0"/>
               <a:t>k</a:t>
             </a:r>
             <a:r>
-              <a:rPr lang="en-US" sz="1200" baseline="-25000" dirty="0" smtClean="0"/>
+              <a:rPr lang="en-US" sz="1200" baseline="-25000" dirty="0"/>
               <a:t>32</a:t>
             </a:r>
             <a:endParaRPr lang="en-SG" sz="1400" baseline="-25000" dirty="0"/>
@@ -9712,7 +9708,7 @@
           <a:p>
             <a:pPr algn="ctr"/>
             <a:r>
-              <a:rPr lang="en-US" sz="1200" b="1" dirty="0" smtClean="0"/>
+              <a:rPr lang="en-US" sz="1200" b="1" dirty="0"/>
               <a:t>. . . .</a:t>
             </a:r>
             <a:endParaRPr lang="en-SG" sz="1200" b="1" dirty="0"/>
@@ -9754,11 +9750,11 @@
           <a:p>
             <a:pPr algn="ctr"/>
             <a:r>
-              <a:rPr lang="en-US" sz="1400" dirty="0" smtClean="0"/>
+              <a:rPr lang="en-US" sz="1400" dirty="0"/>
               <a:t>k</a:t>
             </a:r>
             <a:r>
-              <a:rPr lang="en-US" sz="1400" baseline="-25000" dirty="0" smtClean="0"/>
+              <a:rPr lang="en-US" sz="1400" baseline="-25000" dirty="0"/>
               <a:t>2</a:t>
             </a:r>
             <a:endParaRPr lang="en-SG" sz="1400" baseline="-25000" dirty="0"/>
@@ -9800,11 +9796,11 @@
           <a:p>
             <a:pPr algn="ctr"/>
             <a:r>
-              <a:rPr lang="en-US" sz="1400" dirty="0" smtClean="0"/>
+              <a:rPr lang="en-US" sz="1400" dirty="0"/>
               <a:t>k</a:t>
             </a:r>
             <a:r>
-              <a:rPr lang="en-US" sz="1400" baseline="-25000" dirty="0" smtClean="0"/>
+              <a:rPr lang="en-US" sz="1400" baseline="-25000" dirty="0"/>
               <a:t>3</a:t>
             </a:r>
             <a:endParaRPr lang="en-SG" sz="1400" baseline="-25000" dirty="0"/>
@@ -9846,7 +9842,7 @@
           <a:p>
             <a:pPr algn="ctr"/>
             <a:r>
-              <a:rPr lang="en-US" sz="1200" b="1" dirty="0" smtClean="0"/>
+              <a:rPr lang="en-US" sz="1200" b="1" dirty="0"/>
               <a:t>. . . .</a:t>
             </a:r>
             <a:endParaRPr lang="en-SG" sz="1200" b="1" dirty="0"/>
@@ -9888,11 +9884,11 @@
           <a:p>
             <a:pPr algn="ctr"/>
             <a:r>
-              <a:rPr lang="en-US" sz="1400" dirty="0" smtClean="0"/>
+              <a:rPr lang="en-US" sz="1400" dirty="0"/>
               <a:t>k</a:t>
             </a:r>
             <a:r>
-              <a:rPr lang="en-US" sz="1200" baseline="-25000" dirty="0" smtClean="0"/>
+              <a:rPr lang="en-US" sz="1200" baseline="-25000" dirty="0"/>
               <a:t>34</a:t>
             </a:r>
             <a:endParaRPr lang="en-SG" sz="1400" baseline="-25000" dirty="0"/>
@@ -9934,11 +9930,11 @@
           <a:p>
             <a:pPr algn="ctr"/>
             <a:r>
-              <a:rPr lang="en-US" sz="1400" dirty="0" smtClean="0"/>
+              <a:rPr lang="en-US" sz="1400" dirty="0"/>
               <a:t>k</a:t>
             </a:r>
             <a:r>
-              <a:rPr lang="en-US" sz="1200" baseline="-25000" dirty="0" smtClean="0"/>
+              <a:rPr lang="en-US" sz="1200" baseline="-25000" dirty="0"/>
               <a:t>35</a:t>
             </a:r>
             <a:endParaRPr lang="en-SG" sz="1400" baseline="-25000" dirty="0"/>
@@ -10023,11 +10019,11 @@
           <a:p>
             <a:pPr algn="ctr"/>
             <a:r>
-              <a:rPr lang="en-US" altLang="zh-CN" sz="1400" dirty="0" smtClean="0"/>
+              <a:rPr lang="en-US" altLang="zh-CN" sz="1400" dirty="0"/>
               <a:t>k</a:t>
             </a:r>
             <a:r>
-              <a:rPr lang="en-US" altLang="zh-CN" sz="1200" baseline="-25000" dirty="0" smtClean="0"/>
+              <a:rPr lang="en-US" altLang="zh-CN" sz="1200" baseline="-25000" dirty="0"/>
               <a:t>96</a:t>
             </a:r>
             <a:endParaRPr lang="en-SG" sz="1400" baseline="-25000" dirty="0"/>
@@ -10109,7 +10105,7 @@
           <a:p>
             <a:pPr algn="ctr"/>
             <a:r>
-              <a:rPr lang="en-US" sz="1200" b="1" dirty="0" smtClean="0"/>
+              <a:rPr lang="en-US" sz="1200" b="1" dirty="0"/>
               <a:t>. . . .</a:t>
             </a:r>
             <a:endParaRPr lang="en-SG" sz="1200" b="1" dirty="0"/>
@@ -10151,11 +10147,11 @@
           <a:p>
             <a:pPr algn="ctr"/>
             <a:r>
-              <a:rPr lang="en-US" sz="1400" dirty="0" smtClean="0"/>
+              <a:rPr lang="en-US" sz="1400" dirty="0"/>
               <a:t>k</a:t>
             </a:r>
             <a:r>
-              <a:rPr lang="en-US" sz="1200" baseline="-25000" dirty="0" smtClean="0"/>
+              <a:rPr lang="en-US" sz="1200" baseline="-25000" dirty="0"/>
               <a:t>66</a:t>
             </a:r>
             <a:endParaRPr lang="en-SG" sz="1400" baseline="-25000" dirty="0"/>
@@ -10197,11 +10193,11 @@
           <a:p>
             <a:pPr algn="ctr"/>
             <a:r>
-              <a:rPr lang="en-US" sz="1400" dirty="0" smtClean="0"/>
+              <a:rPr lang="en-US" sz="1400" dirty="0"/>
               <a:t>k</a:t>
             </a:r>
             <a:r>
-              <a:rPr lang="en-US" sz="1200" baseline="-25000" dirty="0" smtClean="0"/>
+              <a:rPr lang="en-US" sz="1200" baseline="-25000" dirty="0"/>
               <a:t>67</a:t>
             </a:r>
             <a:endParaRPr lang="en-SG" sz="1400" baseline="-25000" dirty="0"/>
@@ -10234,7 +10230,7 @@
               <a:p>
                 <a:pPr algn="ctr"/>
                 <a:r>
-                  <a:rPr lang="en-US" b="1" dirty="0" smtClean="0"/>
+                  <a:rPr lang="en-US" b="1" dirty="0"/>
                   <a:t>Hash Table </a:t>
                 </a:r>
                 <a14:m>
@@ -10310,8 +10306,8 @@
           </p:sp>
         </mc:Fallback>
       </mc:AlternateContent>
-      <mc:AlternateContent xmlns:mc="http://schemas.openxmlformats.org/markup-compatibility/2006" xmlns:a14="http://schemas.microsoft.com/office/drawing/2010/main">
-        <mc:Choice Requires="a14">
+      <mc:AlternateContent xmlns:mc="http://schemas.openxmlformats.org/markup-compatibility/2006">
+        <mc:Choice xmlns:a14="http://schemas.microsoft.com/office/drawing/2010/main" Requires="a14">
           <p:sp>
             <p:nvSpPr>
               <p:cNvPr id="53" name="TextBox 52"/>
@@ -10321,7 +10317,7 @@
             <p:spPr>
               <a:xfrm>
                 <a:off x="5378104" y="5659125"/>
-                <a:ext cx="1902858" cy="378245"/>
+                <a:ext cx="1902858" cy="376385"/>
               </a:xfrm>
               <a:prstGeom prst="rect">
                 <a:avLst/>
@@ -10336,7 +10332,7 @@
               <a:p>
                 <a:pPr algn="ctr"/>
                 <a:r>
-                  <a:rPr lang="en-US" b="1" dirty="0" smtClean="0"/>
+                  <a:rPr lang="en-US" b="1" dirty="0"/>
                   <a:t>Hash Table </a:t>
                 </a:r>
                 <a14:m>
@@ -10362,19 +10358,7 @@
                           <a:rPr lang="en-US" b="1" i="1" smtClean="0">
                             <a:latin typeface="Cambria Math" panose="02040503050406030204" pitchFamily="18" charset="0"/>
                           </a:rPr>
-                          <m:t>𝒊</m:t>
-                        </m:r>
-                        <m:r>
-                          <a:rPr lang="en-US" b="1" i="1" smtClean="0">
-                            <a:latin typeface="Cambria Math" panose="02040503050406030204" pitchFamily="18" charset="0"/>
-                          </a:rPr>
-                          <m:t>+</m:t>
-                        </m:r>
-                        <m:r>
-                          <a:rPr lang="en-US" b="1" i="1" smtClean="0">
-                            <a:latin typeface="Cambria Math" panose="02040503050406030204" pitchFamily="18" charset="0"/>
-                          </a:rPr>
-                          <m:t>𝟏</m:t>
+                          <m:t>𝒋</m:t>
                         </m:r>
                       </m:sup>
                     </m:sSup>
@@ -10385,7 +10369,7 @@
             </p:txBody>
           </p:sp>
         </mc:Choice>
-        <mc:Fallback xmlns="">
+        <mc:Fallback>
           <p:sp>
             <p:nvSpPr>
               <p:cNvPr id="53" name="TextBox 52"/>
@@ -10397,7 +10381,7 @@
             <p:spPr>
               <a:xfrm>
                 <a:off x="5378104" y="5659125"/>
-                <a:ext cx="1902858" cy="378245"/>
+                <a:ext cx="1902858" cy="376385"/>
               </a:xfrm>
               <a:prstGeom prst="rect">
                 <a:avLst/>
@@ -10414,7 +10398,7 @@
               <a:lstStyle/>
               <a:p>
                 <a:r>
-                  <a:rPr lang="en-SG">
+                  <a:rPr lang="en-US">
                     <a:noFill/>
                   </a:rPr>
                   <a:t> </a:t>
@@ -10459,11 +10443,11 @@
           <a:p>
             <a:pPr algn="ctr"/>
             <a:r>
-              <a:rPr lang="en-US" sz="1600" b="1" dirty="0" smtClean="0"/>
+              <a:rPr lang="en-US" sz="1600" b="1" dirty="0"/>
               <a:t>l</a:t>
             </a:r>
             <a:r>
-              <a:rPr lang="en-US" sz="1600" b="1" baseline="-25000" dirty="0" smtClean="0"/>
+              <a:rPr lang="en-US" sz="1600" b="1" baseline="-25000" dirty="0"/>
               <a:t>x</a:t>
             </a:r>
             <a:endParaRPr lang="en-SG" sz="1600" b="1" baseline="-25000" dirty="0"/>
@@ -10505,11 +10489,11 @@
           <a:p>
             <a:pPr algn="ctr"/>
             <a:r>
-              <a:rPr lang="en-US" sz="1600" b="1" dirty="0" err="1" smtClean="0"/>
+              <a:rPr lang="en-US" sz="1600" b="1" dirty="0" err="1"/>
               <a:t>l</a:t>
             </a:r>
             <a:r>
-              <a:rPr lang="en-US" sz="1600" b="1" baseline="-25000" dirty="0" err="1" smtClean="0"/>
+              <a:rPr lang="en-US" sz="1600" b="1" baseline="-25000" dirty="0" err="1"/>
               <a:t>y</a:t>
             </a:r>
             <a:endParaRPr lang="en-SG" sz="1600" b="1" baseline="-25000" dirty="0"/>
@@ -10593,23 +10577,23 @@
           <a:p>
             <a:pPr algn="ctr"/>
             <a:r>
-              <a:rPr lang="en-US" sz="1400" dirty="0" smtClean="0"/>
+              <a:rPr lang="en-US" sz="1400" dirty="0"/>
               <a:t>(k</a:t>
-            </a:r>
-            <a:r>
-              <a:rPr lang="en-US" sz="1400" baseline="-25000" dirty="0" smtClean="0"/>
-              <a:t>1</a:t>
-            </a:r>
-            <a:r>
-              <a:rPr lang="en-US" sz="1400" dirty="0" smtClean="0"/>
-              <a:t>,v</a:t>
             </a:r>
             <a:r>
               <a:rPr lang="en-US" sz="1400" baseline="-25000" dirty="0"/>
               <a:t>1</a:t>
             </a:r>
             <a:r>
-              <a:rPr lang="en-US" sz="1400" dirty="0" smtClean="0"/>
+              <a:rPr lang="en-US" sz="1400" dirty="0"/>
+              <a:t>,v</a:t>
+            </a:r>
+            <a:r>
+              <a:rPr lang="en-US" sz="1400" baseline="-25000" dirty="0"/>
+              <a:t>1</a:t>
+            </a:r>
+            <a:r>
+              <a:rPr lang="en-US" sz="1400" dirty="0"/>
               <a:t>)</a:t>
             </a:r>
             <a:endParaRPr lang="en-SG" sz="1400" baseline="-25000" dirty="0"/>
@@ -10654,23 +10638,23 @@
           <a:p>
             <a:pPr algn="ctr"/>
             <a:r>
-              <a:rPr lang="en-US" sz="1400" dirty="0" smtClean="0"/>
+              <a:rPr lang="en-US" sz="1400" dirty="0"/>
               <a:t>(k</a:t>
             </a:r>
             <a:r>
-              <a:rPr lang="en-US" sz="1400" baseline="-25000" dirty="0" smtClean="0"/>
+              <a:rPr lang="en-US" sz="1400" baseline="-25000" dirty="0"/>
               <a:t>33</a:t>
             </a:r>
             <a:r>
-              <a:rPr lang="en-US" sz="1400" dirty="0" smtClean="0"/>
+              <a:rPr lang="en-US" sz="1400" dirty="0"/>
               <a:t>,v</a:t>
             </a:r>
             <a:r>
-              <a:rPr lang="en-US" sz="1400" baseline="-25000" dirty="0" smtClean="0"/>
+              <a:rPr lang="en-US" sz="1400" baseline="-25000" dirty="0"/>
               <a:t>33</a:t>
             </a:r>
             <a:r>
-              <a:rPr lang="en-US" sz="1400" dirty="0" smtClean="0"/>
+              <a:rPr lang="en-US" sz="1400" dirty="0"/>
               <a:t>)</a:t>
             </a:r>
             <a:endParaRPr lang="en-SG" sz="1400" baseline="-25000" dirty="0"/>
@@ -10712,7 +10696,7 @@
           <a:p>
             <a:pPr algn="ctr"/>
             <a:r>
-              <a:rPr lang="en-US" sz="1600" b="1" dirty="0" err="1" smtClean="0"/>
+              <a:rPr lang="en-US" sz="1600" b="1" dirty="0" err="1"/>
               <a:t>l</a:t>
             </a:r>
             <a:r>
@@ -10800,7 +10784,7 @@
           <a:p>
             <a:pPr algn="ctr"/>
             <a:r>
-              <a:rPr lang="en-US" sz="1400" strike="sngStrike" dirty="0" smtClean="0">
+              <a:rPr lang="en-US" sz="1400" strike="sngStrike" dirty="0">
                 <a:effectLst>
                   <a:outerShdw blurRad="38100" dist="38100" dir="2700000" algn="tl">
                     <a:srgbClr val="000000">
@@ -10812,7 +10796,7 @@
               <a:t>(k</a:t>
             </a:r>
             <a:r>
-              <a:rPr lang="en-US" sz="1400" strike="sngStrike" baseline="-25000" dirty="0" smtClean="0">
+              <a:rPr lang="en-US" sz="1400" strike="sngStrike" baseline="-25000" dirty="0">
                 <a:effectLst>
                   <a:outerShdw blurRad="38100" dist="38100" dir="2700000" algn="tl">
                     <a:srgbClr val="000000">
@@ -10824,7 +10808,7 @@
               <a:t>65</a:t>
             </a:r>
             <a:r>
-              <a:rPr lang="en-US" sz="1400" strike="sngStrike" dirty="0" smtClean="0">
+              <a:rPr lang="en-US" sz="1400" strike="sngStrike" dirty="0">
                 <a:effectLst>
                   <a:outerShdw blurRad="38100" dist="38100" dir="2700000" algn="tl">
                     <a:srgbClr val="000000">
@@ -10836,7 +10820,7 @@
               <a:t>,v</a:t>
             </a:r>
             <a:r>
-              <a:rPr lang="en-US" sz="1400" strike="sngStrike" baseline="-25000" dirty="0" smtClean="0">
+              <a:rPr lang="en-US" sz="1400" strike="sngStrike" baseline="-25000" dirty="0">
                 <a:effectLst>
                   <a:outerShdw blurRad="38100" dist="38100" dir="2700000" algn="tl">
                     <a:srgbClr val="000000">
@@ -10848,7 +10832,7 @@
               <a:t>65</a:t>
             </a:r>
             <a:r>
-              <a:rPr lang="en-US" sz="1400" strike="sngStrike" dirty="0" smtClean="0">
+              <a:rPr lang="en-US" sz="1400" strike="sngStrike" dirty="0">
                 <a:effectLst>
                   <a:outerShdw blurRad="38100" dist="38100" dir="2700000" algn="tl">
                     <a:srgbClr val="000000">
@@ -10894,7 +10878,7 @@
           <a:lstStyle/>
           <a:p>
             <a:r>
-              <a:rPr lang="en-US" sz="1600" b="1" dirty="0" smtClean="0"/>
+              <a:rPr lang="en-US" sz="1600" b="1" dirty="0"/>
               <a:t>warp a</a:t>
             </a:r>
             <a:endParaRPr lang="en-SG" sz="1600" b="1" dirty="0"/>
@@ -10924,7 +10908,7 @@
           <a:lstStyle/>
           <a:p>
             <a:r>
-              <a:rPr lang="en-US" sz="1600" b="1" dirty="0" smtClean="0"/>
+              <a:rPr lang="en-US" sz="1600" b="1" dirty="0"/>
               <a:t>warp b</a:t>
             </a:r>
             <a:endParaRPr lang="en-SG" sz="1600" b="1" dirty="0"/>
@@ -11112,23 +11096,23 @@
           <a:p>
             <a:pPr algn="ctr"/>
             <a:r>
-              <a:rPr lang="en-US" sz="1400" b="1" dirty="0" smtClean="0"/>
+              <a:rPr lang="en-US" sz="1400" b="1" dirty="0"/>
               <a:t>(k</a:t>
-            </a:r>
-            <a:r>
-              <a:rPr lang="en-US" sz="1400" b="1" baseline="-25000" dirty="0" smtClean="0"/>
-              <a:t>1</a:t>
-            </a:r>
-            <a:r>
-              <a:rPr lang="en-US" sz="1400" b="1" dirty="0" smtClean="0"/>
-              <a:t>,v</a:t>
             </a:r>
             <a:r>
               <a:rPr lang="en-US" sz="1400" b="1" baseline="-25000" dirty="0"/>
               <a:t>1</a:t>
             </a:r>
             <a:r>
-              <a:rPr lang="en-US" sz="1400" b="1" dirty="0" smtClean="0"/>
+              <a:rPr lang="en-US" sz="1400" b="1" dirty="0"/>
+              <a:t>,v</a:t>
+            </a:r>
+            <a:r>
+              <a:rPr lang="en-US" sz="1400" b="1" baseline="-25000" dirty="0"/>
+              <a:t>1</a:t>
+            </a:r>
+            <a:r>
+              <a:rPr lang="en-US" sz="1400" b="1" dirty="0"/>
               <a:t>)</a:t>
             </a:r>
             <a:endParaRPr lang="en-SG" sz="1400" b="1" baseline="-25000" dirty="0"/>
@@ -11210,23 +11194,23 @@
           <a:lstStyle/>
           <a:p>
             <a:r>
-              <a:rPr lang="en-US" sz="1400" b="1" dirty="0" smtClean="0"/>
+              <a:rPr lang="en-US" sz="1400" b="1" dirty="0"/>
               <a:t>(k</a:t>
             </a:r>
             <a:r>
-              <a:rPr lang="en-US" sz="1400" b="1" baseline="-25000" dirty="0" smtClean="0"/>
+              <a:rPr lang="en-US" sz="1400" b="1" baseline="-25000" dirty="0"/>
               <a:t>65</a:t>
             </a:r>
             <a:r>
-              <a:rPr lang="en-US" sz="1400" b="1" dirty="0" smtClean="0"/>
+              <a:rPr lang="en-US" sz="1400" b="1" dirty="0"/>
               <a:t>,v</a:t>
             </a:r>
             <a:r>
-              <a:rPr lang="en-US" sz="1400" b="1" baseline="-25000" dirty="0" smtClean="0"/>
+              <a:rPr lang="en-US" sz="1400" b="1" baseline="-25000" dirty="0"/>
               <a:t>65</a:t>
             </a:r>
             <a:r>
-              <a:rPr lang="en-US" sz="1400" b="1" dirty="0" smtClean="0"/>
+              <a:rPr lang="en-US" sz="1400" b="1" dirty="0"/>
               <a:t>)</a:t>
             </a:r>
             <a:endParaRPr lang="en-SG" sz="1400" b="1" baseline="-25000" dirty="0"/>
@@ -11307,23 +11291,23 @@
           <a:p>
             <a:pPr algn="r"/>
             <a:r>
-              <a:rPr lang="en-US" sz="1400" b="1" dirty="0" smtClean="0"/>
+              <a:rPr lang="en-US" sz="1400" b="1" dirty="0"/>
               <a:t>(k</a:t>
             </a:r>
             <a:r>
-              <a:rPr lang="en-US" sz="1400" b="1" baseline="-25000" dirty="0" smtClean="0"/>
+              <a:rPr lang="en-US" sz="1400" b="1" baseline="-25000" dirty="0"/>
               <a:t>64</a:t>
             </a:r>
             <a:r>
-              <a:rPr lang="en-US" sz="1400" b="1" dirty="0" smtClean="0"/>
+              <a:rPr lang="en-US" sz="1400" b="1" dirty="0"/>
               <a:t>,v</a:t>
             </a:r>
             <a:r>
-              <a:rPr lang="en-US" sz="1400" b="1" baseline="-25000" dirty="0" smtClean="0"/>
+              <a:rPr lang="en-US" sz="1400" b="1" baseline="-25000" dirty="0"/>
               <a:t>64</a:t>
             </a:r>
             <a:r>
-              <a:rPr lang="en-US" sz="1400" b="1" dirty="0" smtClean="0"/>
+              <a:rPr lang="en-US" sz="1400" b="1" dirty="0"/>
               <a:t>)</a:t>
             </a:r>
             <a:endParaRPr lang="en-SG" sz="1400" b="1" baseline="-25000" dirty="0"/>
@@ -11421,7 +11405,7 @@
           <a:p>
             <a:pPr algn="ctr"/>
             <a:r>
-              <a:rPr lang="en-US" dirty="0" smtClean="0"/>
+              <a:rPr lang="en-US" dirty="0"/>
               <a:t>y</a:t>
             </a:r>
             <a:endParaRPr lang="en-SG" baseline="-25000" dirty="0"/>
@@ -11452,7 +11436,7 @@
           <a:p>
             <a:pPr algn="ctr"/>
             <a:r>
-              <a:rPr lang="en-US" dirty="0" smtClean="0"/>
+              <a:rPr lang="en-US" dirty="0"/>
               <a:t>z</a:t>
             </a:r>
             <a:endParaRPr lang="en-SG" baseline="-25000" dirty="0"/>
@@ -11497,23 +11481,23 @@
           <a:p>
             <a:pPr algn="ctr"/>
             <a:r>
-              <a:rPr lang="en-US" sz="1400" dirty="0" smtClean="0"/>
+              <a:rPr lang="en-US" sz="1400" dirty="0"/>
               <a:t>(k</a:t>
             </a:r>
             <a:r>
-              <a:rPr lang="en-US" sz="1400" baseline="-25000" dirty="0" smtClean="0"/>
+              <a:rPr lang="en-US" sz="1400" baseline="-25000" dirty="0"/>
               <a:t>64</a:t>
             </a:r>
             <a:r>
-              <a:rPr lang="en-US" sz="1400" dirty="0" smtClean="0"/>
+              <a:rPr lang="en-US" sz="1400" dirty="0"/>
               <a:t>,v</a:t>
             </a:r>
             <a:r>
-              <a:rPr lang="en-US" sz="1400" baseline="-25000" dirty="0" smtClean="0"/>
+              <a:rPr lang="en-US" sz="1400" baseline="-25000" dirty="0"/>
               <a:t>64</a:t>
             </a:r>
             <a:r>
-              <a:rPr lang="en-US" sz="1400" dirty="0" smtClean="0"/>
+              <a:rPr lang="en-US" sz="1400" dirty="0"/>
               <a:t>)</a:t>
             </a:r>
             <a:endParaRPr lang="en-SG" sz="1400" baseline="-25000" dirty="0"/>
@@ -11697,7 +11681,7 @@
           <a:p>
             <a:pPr algn="ctr"/>
             <a:r>
-              <a:rPr lang="en-US" dirty="0" smtClean="0"/>
+              <a:rPr lang="en-US" dirty="0"/>
               <a:t>d hash tables</a:t>
             </a:r>
             <a:endParaRPr lang="en-SG" dirty="0"/>
@@ -11770,11 +11754,7 @@
             <a:pPr algn="ctr"/>
             <a:r>
               <a:rPr lang="en-US" dirty="0"/>
-              <a:t>d</a:t>
-            </a:r>
-            <a:r>
-              <a:rPr lang="en-US" dirty="0" smtClean="0"/>
-              <a:t>’ hash tables</a:t>
+              <a:t>d’ hash tables</a:t>
             </a:r>
             <a:endParaRPr lang="en-SG" dirty="0"/>
           </a:p>
@@ -11930,7 +11910,7 @@
           <a:p>
             <a:pPr algn="ctr"/>
             <a:r>
-              <a:rPr lang="en-US" sz="2400" b="1" dirty="0" smtClean="0"/>
+              <a:rPr lang="en-US" sz="2400" b="1" dirty="0"/>
               <a:t>. . .</a:t>
             </a:r>
             <a:endParaRPr lang="en-SG" sz="2400" b="1" dirty="0"/>
@@ -11961,7 +11941,7 @@
           <a:p>
             <a:pPr algn="ctr"/>
             <a:r>
-              <a:rPr lang="en-US" sz="2400" b="1" dirty="0" smtClean="0"/>
+              <a:rPr lang="en-US" sz="2400" b="1" dirty="0"/>
               <a:t>. . .</a:t>
             </a:r>
             <a:endParaRPr lang="en-SG" sz="2400" b="1" dirty="0"/>
@@ -12159,11 +12139,11 @@
           <a:p>
             <a:pPr algn="ctr"/>
             <a:r>
-              <a:rPr lang="en-US" sz="1400" dirty="0" smtClean="0"/>
+              <a:rPr lang="en-US" sz="1400" dirty="0"/>
               <a:t>k</a:t>
             </a:r>
             <a:r>
-              <a:rPr lang="en-US" sz="1200" baseline="-25000" dirty="0" smtClean="0"/>
+              <a:rPr lang="en-US" sz="1200" baseline="-25000" dirty="0"/>
               <a:t>33</a:t>
             </a:r>
             <a:endParaRPr lang="en-SG" sz="1400" baseline="-25000" dirty="0"/>
@@ -12205,11 +12185,11 @@
           <a:p>
             <a:pPr algn="ctr"/>
             <a:r>
-              <a:rPr lang="en-US" sz="1400" dirty="0" smtClean="0"/>
+              <a:rPr lang="en-US" sz="1400" dirty="0"/>
               <a:t>k</a:t>
             </a:r>
             <a:r>
-              <a:rPr lang="en-US" sz="1200" baseline="-25000" dirty="0" smtClean="0"/>
+              <a:rPr lang="en-US" sz="1200" baseline="-25000" dirty="0"/>
               <a:t>64</a:t>
             </a:r>
             <a:endParaRPr lang="en-SG" sz="1400" baseline="-25000" dirty="0"/>
@@ -12251,11 +12231,11 @@
           <a:p>
             <a:pPr algn="ctr"/>
             <a:r>
-              <a:rPr lang="en-US" sz="1400" dirty="0" smtClean="0"/>
+              <a:rPr lang="en-US" sz="1400" dirty="0"/>
               <a:t>k</a:t>
             </a:r>
             <a:r>
-              <a:rPr lang="en-US" sz="1400" baseline="-25000" dirty="0" smtClean="0"/>
+              <a:rPr lang="en-US" sz="1400" baseline="-25000" dirty="0"/>
               <a:t>1</a:t>
             </a:r>
             <a:endParaRPr lang="en-SG" sz="1400" baseline="-25000" dirty="0"/>
@@ -12297,11 +12277,11 @@
           <a:p>
             <a:pPr algn="ctr"/>
             <a:r>
-              <a:rPr lang="en-US" altLang="zh-CN" sz="1400" dirty="0" smtClean="0"/>
+              <a:rPr lang="en-US" altLang="zh-CN" sz="1400" dirty="0"/>
               <a:t>k</a:t>
             </a:r>
             <a:r>
-              <a:rPr lang="en-US" sz="1200" baseline="-25000" dirty="0" smtClean="0"/>
+              <a:rPr lang="en-US" sz="1200" baseline="-25000" dirty="0"/>
               <a:t>32</a:t>
             </a:r>
             <a:endParaRPr lang="en-SG" sz="1400" baseline="-25000" dirty="0"/>
@@ -12383,7 +12363,7 @@
           <a:p>
             <a:pPr algn="ctr"/>
             <a:r>
-              <a:rPr lang="en-US" sz="1200" b="1" dirty="0" smtClean="0"/>
+              <a:rPr lang="en-US" sz="1200" b="1" dirty="0"/>
               <a:t>. . . .</a:t>
             </a:r>
             <a:endParaRPr lang="en-SG" sz="1200" b="1" dirty="0"/>
@@ -12425,11 +12405,11 @@
           <a:p>
             <a:pPr algn="ctr"/>
             <a:r>
-              <a:rPr lang="en-US" sz="1400" dirty="0" smtClean="0"/>
+              <a:rPr lang="en-US" sz="1400" dirty="0"/>
               <a:t>k</a:t>
             </a:r>
             <a:r>
-              <a:rPr lang="en-US" sz="1400" baseline="-25000" dirty="0" smtClean="0"/>
+              <a:rPr lang="en-US" sz="1400" baseline="-25000" dirty="0"/>
               <a:t>2</a:t>
             </a:r>
             <a:endParaRPr lang="en-SG" sz="1400" baseline="-25000" dirty="0"/>
@@ -12471,11 +12451,11 @@
           <a:p>
             <a:pPr algn="ctr"/>
             <a:r>
-              <a:rPr lang="en-US" sz="1400" dirty="0" smtClean="0"/>
+              <a:rPr lang="en-US" sz="1400" dirty="0"/>
               <a:t>k</a:t>
             </a:r>
             <a:r>
-              <a:rPr lang="en-US" sz="1400" baseline="-25000" dirty="0" smtClean="0"/>
+              <a:rPr lang="en-US" sz="1400" baseline="-25000" dirty="0"/>
               <a:t>3</a:t>
             </a:r>
             <a:endParaRPr lang="en-SG" sz="1400" baseline="-25000" dirty="0"/>
@@ -12517,7 +12497,7 @@
           <a:p>
             <a:pPr algn="ctr"/>
             <a:r>
-              <a:rPr lang="en-US" sz="1200" b="1" dirty="0" smtClean="0"/>
+              <a:rPr lang="en-US" sz="1200" b="1" dirty="0"/>
               <a:t>. . . .</a:t>
             </a:r>
             <a:endParaRPr lang="en-SG" sz="1200" b="1" dirty="0"/>
@@ -12559,11 +12539,11 @@
           <a:p>
             <a:pPr algn="ctr"/>
             <a:r>
-              <a:rPr lang="en-US" sz="1400" dirty="0" smtClean="0"/>
+              <a:rPr lang="en-US" sz="1400" dirty="0"/>
               <a:t>k</a:t>
             </a:r>
             <a:r>
-              <a:rPr lang="en-US" sz="1200" baseline="-25000" dirty="0" smtClean="0"/>
+              <a:rPr lang="en-US" sz="1200" baseline="-25000" dirty="0"/>
               <a:t>34</a:t>
             </a:r>
             <a:endParaRPr lang="en-SG" sz="1400" baseline="-25000" dirty="0"/>
@@ -12605,11 +12585,11 @@
           <a:p>
             <a:pPr algn="ctr"/>
             <a:r>
-              <a:rPr lang="en-US" sz="1400" dirty="0" smtClean="0"/>
+              <a:rPr lang="en-US" sz="1400" dirty="0"/>
               <a:t>k</a:t>
             </a:r>
             <a:r>
-              <a:rPr lang="en-US" sz="1200" baseline="-25000" dirty="0" smtClean="0"/>
+              <a:rPr lang="en-US" sz="1200" baseline="-25000" dirty="0"/>
               <a:t>35</a:t>
             </a:r>
             <a:endParaRPr lang="en-SG" sz="1400" baseline="-25000" dirty="0"/>
@@ -12768,7 +12748,7 @@
               <a:p>
                 <a:pPr algn="ctr"/>
                 <a:r>
-                  <a:rPr lang="en-US" b="1" dirty="0" smtClean="0"/>
+                  <a:rPr lang="en-US" b="1" dirty="0"/>
                   <a:t>Hash Table </a:t>
                 </a:r>
                 <a14:m>
@@ -12883,11 +12863,11 @@
           <a:p>
             <a:pPr algn="ctr"/>
             <a:r>
-              <a:rPr lang="en-US" sz="1400" b="1" dirty="0" err="1" smtClean="0"/>
+              <a:rPr lang="en-US" sz="1400" b="1" dirty="0" err="1"/>
               <a:t>loc</a:t>
             </a:r>
             <a:r>
-              <a:rPr lang="en-US" sz="1400" b="1" baseline="-25000" dirty="0" err="1" smtClean="0"/>
+              <a:rPr lang="en-US" sz="1400" b="1" baseline="-25000" dirty="0" err="1"/>
               <a:t>x</a:t>
             </a:r>
             <a:endParaRPr lang="en-SG" sz="1400" b="1" baseline="-25000" dirty="0"/>
@@ -12933,7 +12913,7 @@
           <a:p>
             <a:pPr algn="ctr"/>
             <a:r>
-              <a:rPr lang="en-US" sz="1400" b="1" dirty="0" err="1" smtClean="0"/>
+              <a:rPr lang="en-US" sz="1400" b="1" dirty="0" err="1"/>
               <a:t>loc</a:t>
             </a:r>
             <a:r>
@@ -12983,23 +12963,23 @@
           <a:p>
             <a:pPr algn="ctr"/>
             <a:r>
-              <a:rPr lang="en-US" sz="1400" b="1" dirty="0" err="1" smtClean="0"/>
+              <a:rPr lang="en-US" sz="1400" b="1" dirty="0" err="1"/>
               <a:t>loc</a:t>
             </a:r>
             <a:r>
-              <a:rPr lang="en-US" sz="1400" b="1" baseline="-25000" dirty="0" err="1" smtClean="0"/>
+              <a:rPr lang="en-US" sz="1400" b="1" baseline="-25000" dirty="0" err="1"/>
               <a:t>x</a:t>
             </a:r>
             <a:r>
-              <a:rPr lang="en-US" sz="1400" b="1" dirty="0" smtClean="0"/>
+              <a:rPr lang="en-US" sz="1400" b="1" dirty="0"/>
               <a:t>+|h</a:t>
             </a:r>
             <a:r>
-              <a:rPr lang="en-US" sz="1400" b="1" baseline="30000" dirty="0" smtClean="0"/>
+              <a:rPr lang="en-US" sz="1400" b="1" baseline="30000" dirty="0"/>
               <a:t>i</a:t>
             </a:r>
             <a:r>
-              <a:rPr lang="en-US" sz="1400" b="1" dirty="0" smtClean="0"/>
+              <a:rPr lang="en-US" sz="1400" b="1" dirty="0"/>
               <a:t>|</a:t>
             </a:r>
             <a:endParaRPr lang="en-SG" sz="1400" b="1" baseline="-25000" dirty="0"/>
@@ -13045,23 +13025,23 @@
           <a:p>
             <a:pPr algn="ctr"/>
             <a:r>
-              <a:rPr lang="en-US" sz="1400" b="1" dirty="0" err="1" smtClean="0"/>
+              <a:rPr lang="en-US" sz="1400" b="1" dirty="0" err="1"/>
               <a:t>loc</a:t>
             </a:r>
             <a:r>
-              <a:rPr lang="en-US" sz="1400" b="1" baseline="-25000" dirty="0" err="1" smtClean="0"/>
+              <a:rPr lang="en-US" sz="1400" b="1" baseline="-25000" dirty="0" err="1"/>
               <a:t>y</a:t>
             </a:r>
             <a:r>
-              <a:rPr lang="en-US" sz="1400" b="1" dirty="0" smtClean="0"/>
+              <a:rPr lang="en-US" sz="1400" b="1" dirty="0"/>
               <a:t>+|h</a:t>
             </a:r>
             <a:r>
-              <a:rPr lang="en-US" sz="1400" b="1" baseline="30000" dirty="0" smtClean="0"/>
+              <a:rPr lang="en-US" sz="1400" b="1" baseline="30000" dirty="0"/>
               <a:t>i</a:t>
             </a:r>
             <a:r>
-              <a:rPr lang="en-US" sz="1400" b="1" dirty="0" smtClean="0"/>
+              <a:rPr lang="en-US" sz="1400" b="1" dirty="0"/>
               <a:t>|</a:t>
             </a:r>
             <a:endParaRPr lang="en-SG" sz="1400" b="1" baseline="-25000" dirty="0"/>
@@ -13390,7 +13370,7 @@
           <a:p>
             <a:pPr algn="ctr"/>
             <a:r>
-              <a:rPr lang="en-US" sz="2800" b="1" dirty="0" smtClean="0"/>
+              <a:rPr lang="en-US" sz="2800" b="1" dirty="0"/>
               <a:t>Place Holder</a:t>
             </a:r>
             <a:endParaRPr lang="en-SG" sz="2800" b="1" dirty="0"/>
